--- a/Apresentacao_projeto_individual.pptx
+++ b/Apresentacao_projeto_individual.pptx
@@ -3524,7 +3524,7 @@
           <a:p>
             <a:fld id="{12241623-A064-4BED-B073-BA4D61433402}" type="datetime1">
               <a:rPr lang="en-US" smtClean="0"/>
-              <a:t>11/28/2020</a:t>
+              <a:t>11/30/2020</a:t>
             </a:fld>
             <a:endParaRPr lang="en-US" dirty="0"/>
           </a:p>
@@ -4335,7 +4335,7 @@
           <a:p>
             <a:fld id="{6F86ED0C-1DA7-41F0-94CF-6218B1FEDFF1}" type="datetime1">
               <a:rPr lang="en-US" smtClean="0"/>
-              <a:t>11/28/2020</a:t>
+              <a:t>11/30/2020</a:t>
             </a:fld>
             <a:endParaRPr lang="en-US" dirty="0"/>
           </a:p>
@@ -4534,7 +4534,7 @@
           <a:p>
             <a:fld id="{EECF02AB-6034-4B88-BC5A-7C17CB0EF809}" type="datetime1">
               <a:rPr lang="en-US" smtClean="0"/>
-              <a:t>11/28/2020</a:t>
+              <a:t>11/30/2020</a:t>
             </a:fld>
             <a:endParaRPr lang="en-US" dirty="0"/>
           </a:p>
@@ -4769,7 +4769,7 @@
           <a:p>
             <a:fld id="{22F3E5F3-28EE-488F-BD53-B744C06C3DEC}" type="datetime1">
               <a:rPr lang="en-US" smtClean="0"/>
-              <a:t>11/28/2020</a:t>
+              <a:t>11/30/2020</a:t>
             </a:fld>
             <a:endParaRPr lang="en-US" dirty="0"/>
           </a:p>
@@ -7462,7 +7462,7 @@
           <a:p>
             <a:fld id="{E72EB70D-CD01-44DA-83B3-8FEB3383D307}" type="datetime1">
               <a:rPr lang="en-US" smtClean="0"/>
-              <a:t>11/28/2020</a:t>
+              <a:t>11/30/2020</a:t>
             </a:fld>
             <a:endParaRPr lang="en-US" dirty="0"/>
           </a:p>
@@ -7658,7 +7658,7 @@
           <a:p>
             <a:fld id="{D0158CFD-9357-46BE-A189-D637A67C8730}" type="datetime1">
               <a:rPr lang="en-US" smtClean="0"/>
-              <a:t>11/28/2020</a:t>
+              <a:t>11/30/2020</a:t>
             </a:fld>
             <a:endParaRPr lang="en-US" dirty="0"/>
           </a:p>
@@ -8047,7 +8047,7 @@
           <a:p>
             <a:fld id="{7B4742EE-B331-4632-BD10-A82FED6B6FC0}" type="datetime1">
               <a:rPr lang="en-US" smtClean="0"/>
-              <a:t>11/28/2020</a:t>
+              <a:t>11/30/2020</a:t>
             </a:fld>
             <a:endParaRPr lang="en-US" dirty="0"/>
           </a:p>
@@ -8213,7 +8213,7 @@
           <a:p>
             <a:fld id="{451BA835-D13F-49F4-8F11-5D576AC65FAD}" type="datetime1">
               <a:rPr lang="en-US" smtClean="0"/>
-              <a:t>11/28/2020</a:t>
+              <a:t>11/30/2020</a:t>
             </a:fld>
             <a:endParaRPr lang="en-US" dirty="0"/>
           </a:p>
@@ -8336,7 +8336,7 @@
           <a:p>
             <a:fld id="{ADBD1799-ACB5-4CB2-86A2-5C574F1C8706}" type="datetime1">
               <a:rPr lang="en-US" smtClean="0"/>
-              <a:t>11/28/2020</a:t>
+              <a:t>11/30/2020</a:t>
             </a:fld>
             <a:endParaRPr lang="en-US" dirty="0"/>
           </a:p>
@@ -8646,7 +8646,7 @@
           <a:p>
             <a:fld id="{ED5DD0D6-7A82-473E-879B-C6ECD6CCCFEC}" type="datetime1">
               <a:rPr lang="en-US" smtClean="0"/>
-              <a:t>11/28/2020</a:t>
+              <a:t>11/30/2020</a:t>
             </a:fld>
             <a:endParaRPr lang="en-US" dirty="0"/>
           </a:p>
@@ -8946,7 +8946,7 @@
           <a:p>
             <a:fld id="{D4605E03-BC17-41A7-854C-DFAB672737DC}" type="datetime1">
               <a:rPr lang="en-US" smtClean="0"/>
-              <a:t>11/28/2020</a:t>
+              <a:t>11/30/2020</a:t>
             </a:fld>
             <a:endParaRPr lang="en-US" dirty="0"/>
           </a:p>
@@ -9198,7 +9198,7 @@
           <a:p>
             <a:fld id="{C4408324-A84C-4A45-93B6-78D079CCE772}" type="datetime1">
               <a:rPr lang="en-US" smtClean="0"/>
-              <a:t>11/28/2020</a:t>
+              <a:t>11/30/2020</a:t>
             </a:fld>
             <a:endParaRPr lang="en-US" dirty="0"/>
           </a:p>
@@ -10408,7 +10408,7 @@
         </p:nvSpPr>
         <p:spPr>
           <a:xfrm>
-            <a:off x="1180531" y="1346268"/>
+            <a:off x="734459" y="1266755"/>
             <a:ext cx="5274860" cy="3066706"/>
           </a:xfrm>
         </p:spPr>
@@ -10424,22 +10424,22 @@
               </a:lnSpc>
             </a:pPr>
             <a:br>
-              <a:rPr lang="en-US" sz="4200" b="1" i="0" u="none" strike="noStrike" cap="all">
+              <a:rPr lang="en-US" sz="4200" b="1" i="0" u="none" strike="noStrike" cap="all" dirty="0">
                 <a:effectLst/>
               </a:rPr>
             </a:br>
             <a:r>
-              <a:rPr lang="en-US" sz="4200" b="1" i="0" u="none" strike="noStrike" cap="all">
+              <a:rPr lang="en-US" sz="4200" b="1" i="0" u="none" strike="noStrike" cap="all" dirty="0" err="1">
                 <a:effectLst/>
               </a:rPr>
               <a:t>BandStudents</a:t>
             </a:r>
             <a:br>
-              <a:rPr lang="en-US" sz="4200" b="1" i="0" u="none" strike="noStrike" cap="all">
+              <a:rPr lang="en-US" sz="4200" b="1" i="0" u="none" strike="noStrike" cap="all" dirty="0">
                 <a:effectLst/>
               </a:rPr>
             </a:br>
-            <a:endParaRPr lang="en-US" sz="4200" b="1" i="0" cap="all"/>
+            <a:endParaRPr lang="en-US" sz="4200" b="1" i="0" cap="all" dirty="0"/>
           </a:p>
         </p:txBody>
       </p:sp>
@@ -10461,7 +10461,7 @@
         </p:nvSpPr>
         <p:spPr>
           <a:xfrm>
-            <a:off x="0" y="3650978"/>
+            <a:off x="734459" y="3637726"/>
             <a:ext cx="7475746" cy="2371321"/>
           </a:xfrm>
         </p:spPr>
